--- a/Presentations/Module 06 - Troubleshooting.pptx
+++ b/Presentations/Module 06 - Troubleshooting.pptx
@@ -1169,7 +1169,7 @@
               <a:rPr lang="en-US" smtClean="0">
                 <a:latin typeface="Segoe UI" pitchFamily="34" charset="0"/>
               </a:rPr>
-              <a:t>3/11/2019 9:28 AM</a:t>
+              <a:t>2021-05-27 12:55 PM</a:t>
             </a:fld>
             <a:endParaRPr lang="en-US" dirty="0">
               <a:latin typeface="Segoe UI" pitchFamily="34" charset="0"/>
@@ -1447,7 +1447,7 @@
           <a:p>
             <a:fld id="{38EEC551-8CDA-4EB6-89BB-2A86C9F091C8}" type="datetime8">
               <a:rPr lang="en-US" smtClean="0"/>
-              <a:t>3/11/2019 9:28 AM</a:t>
+              <a:t>2021-05-27 12:52 PM</a:t>
             </a:fld>
             <a:endParaRPr lang="en-US" dirty="0"/>
           </a:p>
@@ -1814,7 +1814,7 @@
           <a:p>
             <a:fld id="{6D0596E5-6523-4DD8-A9ED-0418BD42519C}" type="datetime8">
               <a:rPr lang="en-US" smtClean="0"/>
-              <a:t>3/11/2019 9:28 AM</a:t>
+              <a:t>2021-05-27 12:52 PM</a:t>
             </a:fld>
             <a:endParaRPr lang="en-US" dirty="0"/>
           </a:p>
@@ -1995,7 +1995,7 @@
           <a:p>
             <a:fld id="{38EEC551-8CDA-4EB6-89BB-2A86C9F091C8}" type="datetime8">
               <a:rPr lang="en-US" smtClean="0"/>
-              <a:t>3/11/2019 9:28 AM</a:t>
+              <a:t>2021-05-27 12:52 PM</a:t>
             </a:fld>
             <a:endParaRPr lang="en-US" dirty="0"/>
           </a:p>
@@ -2176,7 +2176,7 @@
           <a:p>
             <a:fld id="{38EEC551-8CDA-4EB6-89BB-2A86C9F091C8}" type="datetime8">
               <a:rPr lang="en-US" smtClean="0"/>
-              <a:t>3/11/2019 9:28 AM</a:t>
+              <a:t>2021-05-27 12:52 PM</a:t>
             </a:fld>
             <a:endParaRPr lang="en-US" dirty="0"/>
           </a:p>
@@ -2383,7 +2383,7 @@
           <a:p>
             <a:fld id="{38EEC551-8CDA-4EB6-89BB-2A86C9F091C8}" type="datetime8">
               <a:rPr lang="en-US" smtClean="0"/>
-              <a:t>3/11/2019 9:35 AM</a:t>
+              <a:t>2021-05-27 12:52 PM</a:t>
             </a:fld>
             <a:endParaRPr lang="en-US" dirty="0"/>
           </a:p>
@@ -2564,7 +2564,7 @@
           <a:p>
             <a:fld id="{38EEC551-8CDA-4EB6-89BB-2A86C9F091C8}" type="datetime8">
               <a:rPr lang="en-US" smtClean="0"/>
-              <a:t>3/11/2019 9:45 AM</a:t>
+              <a:t>2021-05-27 12:52 PM</a:t>
             </a:fld>
             <a:endParaRPr lang="en-US" dirty="0"/>
           </a:p>
@@ -2748,7 +2748,7 @@
           <a:p>
             <a:fld id="{38EEC551-8CDA-4EB6-89BB-2A86C9F091C8}" type="datetime8">
               <a:rPr lang="en-US" smtClean="0"/>
-              <a:t>3/11/2019 9:46 AM</a:t>
+              <a:t>2021-05-27 12:52 PM</a:t>
             </a:fld>
             <a:endParaRPr lang="en-US" dirty="0"/>
           </a:p>
@@ -2898,7 +2898,7 @@
                   <a:prstClr val="black"/>
                 </a:solidFill>
               </a:rPr>
-              <a:t>3/11/2019 9:28 AM</a:t>
+              <a:t>2021-05-27 12:52 PM</a:t>
             </a:fld>
             <a:endParaRPr lang="en-US" dirty="0">
               <a:solidFill>
@@ -3193,7 +3193,7 @@
           <a:p>
             <a:fld id="{38EEC551-8CDA-4EB6-89BB-2A86C9F091C8}" type="datetime8">
               <a:rPr lang="en-US" smtClean="0"/>
-              <a:t>3/11/2019 9:28 AM</a:t>
+              <a:t>2021-05-27 12:52 PM</a:t>
             </a:fld>
             <a:endParaRPr lang="en-US" dirty="0"/>
           </a:p>
@@ -3377,7 +3377,7 @@
           <a:p>
             <a:fld id="{38EEC551-8CDA-4EB6-89BB-2A86C9F091C8}" type="datetime8">
               <a:rPr lang="en-US" smtClean="0"/>
-              <a:t>3/11/2019 9:28 AM</a:t>
+              <a:t>2021-05-27 12:52 PM</a:t>
             </a:fld>
             <a:endParaRPr lang="en-US" dirty="0"/>
           </a:p>
@@ -3561,7 +3561,7 @@
           <a:p>
             <a:fld id="{38EEC551-8CDA-4EB6-89BB-2A86C9F091C8}" type="datetime8">
               <a:rPr lang="en-US" smtClean="0"/>
-              <a:t>3/11/2019 9:28 AM</a:t>
+              <a:t>2021-05-27 12:52 PM</a:t>
             </a:fld>
             <a:endParaRPr lang="en-US" dirty="0"/>
           </a:p>
@@ -3745,7 +3745,7 @@
           <a:p>
             <a:fld id="{38EEC551-8CDA-4EB6-89BB-2A86C9F091C8}" type="datetime8">
               <a:rPr lang="en-US" smtClean="0"/>
-              <a:t>3/11/2019 9:28 AM</a:t>
+              <a:t>2021-05-27 12:52 PM</a:t>
             </a:fld>
             <a:endParaRPr lang="en-US" dirty="0"/>
           </a:p>
@@ -3929,7 +3929,7 @@
           <a:p>
             <a:fld id="{38EEC551-8CDA-4EB6-89BB-2A86C9F091C8}" type="datetime8">
               <a:rPr lang="en-US" smtClean="0"/>
-              <a:t>3/11/2019 9:28 AM</a:t>
+              <a:t>2021-05-27 12:52 PM</a:t>
             </a:fld>
             <a:endParaRPr lang="en-US" dirty="0"/>
           </a:p>
@@ -4116,7 +4116,7 @@
           <a:p>
             <a:fld id="{38EEC551-8CDA-4EB6-89BB-2A86C9F091C8}" type="datetime8">
               <a:rPr lang="en-US" smtClean="0"/>
-              <a:t>3/11/2019 9:28 AM</a:t>
+              <a:t>2021-05-27 12:52 PM</a:t>
             </a:fld>
             <a:endParaRPr lang="en-US" dirty="0"/>
           </a:p>
@@ -4300,7 +4300,7 @@
           <a:p>
             <a:fld id="{38EEC551-8CDA-4EB6-89BB-2A86C9F091C8}" type="datetime8">
               <a:rPr lang="en-US" smtClean="0"/>
-              <a:t>3/11/2019 9:28 AM</a:t>
+              <a:t>2021-05-27 12:52 PM</a:t>
             </a:fld>
             <a:endParaRPr lang="en-US" dirty="0"/>
           </a:p>
@@ -20255,7 +20255,7 @@
       </a:lvl9pPr>
     </p:otherStyle>
   </p:txStyles>
-  <p:extLst mod="1">
+  <p:extLst>
     <p:ext uri="{27BBF7A9-308A-43DC-89C8-2F10F3537804}">
       <p15:sldGuideLst xmlns:p15="http://schemas.microsoft.com/office/powerpoint/2012/main">
         <p15:guide id="1" orient="horz" pos="187">
@@ -20918,7 +20918,7 @@
       </a:lvl9pPr>
     </p:otherStyle>
   </p:txStyles>
-  <p:extLst mod="1">
+  <p:extLst>
     <p:ext uri="{27BBF7A9-308A-43DC-89C8-2F10F3537804}">
       <p15:sldGuideLst xmlns:p15="http://schemas.microsoft.com/office/powerpoint/2012/main">
         <p15:guide id="1" orient="horz" pos="187">
@@ -21584,7 +21584,7 @@
       </a:lvl9pPr>
     </p:otherStyle>
   </p:txStyles>
-  <p:extLst mod="1">
+  <p:extLst>
     <p:ext uri="{27BBF7A9-308A-43DC-89C8-2F10F3537804}">
       <p15:sldGuideLst xmlns:p15="http://schemas.microsoft.com/office/powerpoint/2012/main">
         <p15:guide id="1" orient="horz" pos="187">
@@ -22251,7 +22251,7 @@
       </a:lvl9pPr>
     </p:otherStyle>
   </p:txStyles>
-  <p:extLst mod="1">
+  <p:extLst>
     <p:ext uri="{27BBF7A9-308A-43DC-89C8-2F10F3537804}">
       <p15:sldGuideLst xmlns:p15="http://schemas.microsoft.com/office/powerpoint/2012/main">
         <p15:guide id="1" orient="horz" pos="187">
@@ -24594,7 +24594,7 @@
 </file>
 
 <file path=ppt/slides/slide19.xml><?xml version="1.0" encoding="utf-8"?>
-<p:sld xmlns:a="http://schemas.openxmlformats.org/drawingml/2006/main" xmlns:r="http://schemas.openxmlformats.org/officeDocument/2006/relationships" xmlns:p="http://schemas.openxmlformats.org/presentationml/2006/main" show="0">
+<p:sld xmlns:a="http://schemas.openxmlformats.org/drawingml/2006/main" xmlns:r="http://schemas.openxmlformats.org/officeDocument/2006/relationships" xmlns:p="http://schemas.openxmlformats.org/presentationml/2006/main">
   <p:cSld>
     <p:spTree>
       <p:nvGrpSpPr>
@@ -27906,6 +27906,18 @@
 </file>
 
 <file path=customXml/item1.xml><?xml version="1.0" encoding="utf-8"?>
+<p:properties xmlns:p="http://schemas.microsoft.com/office/2006/metadata/properties" xmlns:xsi="http://www.w3.org/2001/XMLSchema-instance" xmlns:pc="http://schemas.microsoft.com/office/infopath/2007/PartnerControls">
+  <documentManagement>
+    <_dlc_DocId xmlns="230e9df3-be65-4c73-a93b-d1236ebd677e">CPS089-555620336-143</_dlc_DocId>
+    <_dlc_DocIdUrl xmlns="230e9df3-be65-4c73-a93b-d1236ebd677e">
+      <Url>https://microsoft.sharepoint.com/teams/CampusProjectSites089/hahzsakosd/ipdev/_layouts/15/DocIdRedir.aspx?ID=CPS089-555620336-143</Url>
+      <Description>CPS089-555620336-143</Description>
+    </_dlc_DocIdUrl>
+  </documentManagement>
+</p:properties>
+</file>
+
+<file path=customXml/item2.xml><?xml version="1.0" encoding="utf-8"?>
 <ct:contentTypeSchema xmlns:ct="http://schemas.microsoft.com/office/2006/metadata/contentType" xmlns:ma="http://schemas.microsoft.com/office/2006/metadata/properties/metaAttributes" ct:_="" ma:_="" ma:contentTypeName="Document" ma:contentTypeID="0x010100E159D276C0CB3447A69A9CE69396C846" ma:contentTypeVersion="2" ma:contentTypeDescription="Create a new document." ma:contentTypeScope="" ma:versionID="1dc5f255bb5d53da19c6b9c45c545005">
   <xsd:schema xmlns:xsd="http://www.w3.org/2001/XMLSchema" xmlns:xs="http://www.w3.org/2001/XMLSchema" xmlns:p="http://schemas.microsoft.com/office/2006/metadata/properties" xmlns:ns2="230e9df3-be65-4c73-a93b-d1236ebd677e" xmlns:ns3="4b6e114e-4d2a-4f10-9268-ba081d6f28ac" targetNamespace="http://schemas.microsoft.com/office/2006/metadata/properties" ma:root="true" ma:fieldsID="2caf596d414b9a9a356b58e82e2d1a15" ns2:_="" ns3:_="">
     <xsd:import namespace="230e9df3-be65-4c73-a93b-d1236ebd677e"/>
@@ -28067,19 +28079,16 @@
 </ct:contentTypeSchema>
 </file>
 
-<file path=customXml/item2.xml><?xml version="1.0" encoding="utf-8"?>
-<p:properties xmlns:p="http://schemas.microsoft.com/office/2006/metadata/properties" xmlns:xsi="http://www.w3.org/2001/XMLSchema-instance" xmlns:pc="http://schemas.microsoft.com/office/infopath/2007/PartnerControls">
-  <documentManagement>
-    <_dlc_DocId xmlns="230e9df3-be65-4c73-a93b-d1236ebd677e">CPS089-555620336-143</_dlc_DocId>
-    <_dlc_DocIdUrl xmlns="230e9df3-be65-4c73-a93b-d1236ebd677e">
-      <Url>https://microsoft.sharepoint.com/teams/CampusProjectSites089/hahzsakosd/ipdev/_layouts/15/DocIdRedir.aspx?ID=CPS089-555620336-143</Url>
-      <Description>CPS089-555620336-143</Description>
-    </_dlc_DocIdUrl>
-  </documentManagement>
-</p:properties>
+<file path=customXml/item3.xml><?xml version="1.0" encoding="utf-8"?>
+<?mso-contentType ?>
+<FormTemplates xmlns="http://schemas.microsoft.com/sharepoint/v3/contenttype/forms">
+  <Display>DocumentLibraryForm</Display>
+  <Edit>DocumentLibraryForm</Edit>
+  <New>DocumentLibraryForm</New>
+</FormTemplates>
 </file>
 
-<file path=customXml/item3.xml><?xml version="1.0" encoding="utf-8"?>
+<file path=customXml/item4.xml><?xml version="1.0" encoding="utf-8"?>
 <?mso-contentType ?>
 <spe:Receivers xmlns:spe="http://schemas.microsoft.com/sharepoint/events">
   <Receiver>
@@ -28129,16 +28138,24 @@
 </spe:Receivers>
 </file>
 
-<file path=customXml/item4.xml><?xml version="1.0" encoding="utf-8"?>
-<?mso-contentType ?>
-<FormTemplates xmlns="http://schemas.microsoft.com/sharepoint/v3/contenttype/forms">
-  <Display>DocumentLibraryForm</Display>
-  <Edit>DocumentLibraryForm</Edit>
-  <New>DocumentLibraryForm</New>
-</FormTemplates>
+<file path=customXml/itemProps1.xml><?xml version="1.0" encoding="utf-8"?>
+<ds:datastoreItem xmlns:ds="http://schemas.openxmlformats.org/officeDocument/2006/customXml" ds:itemID="{F990F116-B58F-4255-B05B-DA3808E0E5C6}">
+  <ds:schemaRefs>
+    <ds:schemaRef ds:uri="http://purl.org/dc/dcmitype/"/>
+    <ds:schemaRef ds:uri="http://schemas.microsoft.com/office/infopath/2007/PartnerControls"/>
+    <ds:schemaRef ds:uri="http://schemas.microsoft.com/office/2006/metadata/properties"/>
+    <ds:schemaRef ds:uri="http://schemas.microsoft.com/office/2006/documentManagement/types"/>
+    <ds:schemaRef ds:uri="4b6e114e-4d2a-4f10-9268-ba081d6f28ac"/>
+    <ds:schemaRef ds:uri="http://purl.org/dc/terms/"/>
+    <ds:schemaRef ds:uri="http://schemas.openxmlformats.org/package/2006/metadata/core-properties"/>
+    <ds:schemaRef ds:uri="230e9df3-be65-4c73-a93b-d1236ebd677e"/>
+    <ds:schemaRef ds:uri="http://www.w3.org/XML/1998/namespace"/>
+    <ds:schemaRef ds:uri="http://purl.org/dc/elements/1.1/"/>
+  </ds:schemaRefs>
+</ds:datastoreItem>
 </file>
 
-<file path=customXml/itemProps1.xml><?xml version="1.0" encoding="utf-8"?>
+<file path=customXml/itemProps2.xml><?xml version="1.0" encoding="utf-8"?>
 <ds:datastoreItem xmlns:ds="http://schemas.openxmlformats.org/officeDocument/2006/customXml" ds:itemID="{2694FA73-0B83-4A62-B0E5-A5BFAD5BFAE6}">
   <ds:schemaRefs>
     <ds:schemaRef ds:uri="http://schemas.microsoft.com/office/2006/metadata/contentType"/>
@@ -28157,24 +28174,15 @@
 </ds:datastoreItem>
 </file>
 
-<file path=customXml/itemProps2.xml><?xml version="1.0" encoding="utf-8"?>
-<ds:datastoreItem xmlns:ds="http://schemas.openxmlformats.org/officeDocument/2006/customXml" ds:itemID="{F990F116-B58F-4255-B05B-DA3808E0E5C6}">
+<file path=customXml/itemProps3.xml><?xml version="1.0" encoding="utf-8"?>
+<ds:datastoreItem xmlns:ds="http://schemas.openxmlformats.org/officeDocument/2006/customXml" ds:itemID="{758FDAC0-319D-4A54-8D8E-1D42CB1F8004}">
   <ds:schemaRefs>
-    <ds:schemaRef ds:uri="http://purl.org/dc/dcmitype/"/>
-    <ds:schemaRef ds:uri="http://schemas.microsoft.com/office/infopath/2007/PartnerControls"/>
-    <ds:schemaRef ds:uri="http://schemas.microsoft.com/office/2006/metadata/properties"/>
-    <ds:schemaRef ds:uri="http://schemas.microsoft.com/office/2006/documentManagement/types"/>
-    <ds:schemaRef ds:uri="4b6e114e-4d2a-4f10-9268-ba081d6f28ac"/>
-    <ds:schemaRef ds:uri="http://purl.org/dc/terms/"/>
-    <ds:schemaRef ds:uri="http://schemas.openxmlformats.org/package/2006/metadata/core-properties"/>
-    <ds:schemaRef ds:uri="230e9df3-be65-4c73-a93b-d1236ebd677e"/>
-    <ds:schemaRef ds:uri="http://www.w3.org/XML/1998/namespace"/>
-    <ds:schemaRef ds:uri="http://purl.org/dc/elements/1.1/"/>
+    <ds:schemaRef ds:uri="http://schemas.microsoft.com/sharepoint/v3/contenttype/forms"/>
   </ds:schemaRefs>
 </ds:datastoreItem>
 </file>
 
-<file path=customXml/itemProps3.xml><?xml version="1.0" encoding="utf-8"?>
+<file path=customXml/itemProps4.xml><?xml version="1.0" encoding="utf-8"?>
 <ds:datastoreItem xmlns:ds="http://schemas.openxmlformats.org/officeDocument/2006/customXml" ds:itemID="{FEC9592E-82DD-4399-A4BB-5C49E0F6255D}">
   <ds:schemaRefs>
     <ds:schemaRef ds:uri="http://schemas.microsoft.com/sharepoint/events"/>
@@ -28182,10 +28190,8 @@
 </ds:datastoreItem>
 </file>
 
-<file path=customXml/itemProps4.xml><?xml version="1.0" encoding="utf-8"?>
-<ds:datastoreItem xmlns:ds="http://schemas.openxmlformats.org/officeDocument/2006/customXml" ds:itemID="{758FDAC0-319D-4A54-8D8E-1D42CB1F8004}">
-  <ds:schemaRefs>
-    <ds:schemaRef ds:uri="http://schemas.microsoft.com/sharepoint/v3/contenttype/forms"/>
-  </ds:schemaRefs>
-</ds:datastoreItem>
+<file path=docMetadata/LabelInfo.xml><?xml version="1.0" encoding="utf-8"?>
+<clbl:labelList xmlns:clbl="http://schemas.microsoft.com/office/2020/mipLabelMetadata">
+  <clbl:label id="{f42aa342-8706-4288-bd11-ebb85995028c}" enabled="1" method="Privileged" siteId="{72f988bf-86f1-41af-91ab-2d7cd011db47}" removed="0"/>
+</clbl:labelList>
 </file>